--- a/Documentation/змейка.pptx
+++ b/Documentation/змейка.pptx
@@ -111,6 +111,11 @@
       </a:defRPr>
     </a:lvl9pPr>
   </p:defaultTextStyle>
+  <p:extLst>
+    <p:ext uri="{EFAFB233-063F-42B5-8137-9DF3F51BA10A}">
+      <p15:sldGuideLst xmlns:p15="http://schemas.microsoft.com/office/powerpoint/2012/main"/>
+    </p:ext>
+  </p:extLst>
 </p:presentation>
 </file>
 
@@ -284,7 +289,7 @@
           <a:p>
             <a:fld id="{48A87A34-81AB-432B-8DAE-1953F412C126}" type="datetimeFigureOut">
               <a:rPr lang="en-US" dirty="0"/>
-              <a:t>1/27/2022</a:t>
+              <a:t>2/1/2022</a:t>
             </a:fld>
             <a:endParaRPr lang="en-US" dirty="0"/>
           </a:p>
@@ -546,7 +551,7 @@
           <a:p>
             <a:fld id="{48A87A34-81AB-432B-8DAE-1953F412C126}" type="datetimeFigureOut">
               <a:rPr lang="en-US" dirty="0"/>
-              <a:t>1/27/2022</a:t>
+              <a:t>2/1/2022</a:t>
             </a:fld>
             <a:endParaRPr lang="en-US" dirty="0"/>
           </a:p>
@@ -773,7 +778,7 @@
             <a:fld id="{48A87A34-81AB-432B-8DAE-1953F412C126}" type="datetimeFigureOut">
               <a:rPr lang="en-US" dirty="0"/>
               <a:pPr/>
-              <a:t>1/27/2022</a:t>
+              <a:t>2/1/2022</a:t>
             </a:fld>
             <a:endParaRPr lang="en-US" dirty="0"/>
           </a:p>
@@ -1079,7 +1084,7 @@
             <a:fld id="{48A87A34-81AB-432B-8DAE-1953F412C126}" type="datetimeFigureOut">
               <a:rPr lang="en-US" dirty="0"/>
               <a:pPr/>
-              <a:t>1/27/2022</a:t>
+              <a:t>2/1/2022</a:t>
             </a:fld>
             <a:endParaRPr lang="en-US" dirty="0"/>
           </a:p>
@@ -1548,7 +1553,7 @@
             <a:fld id="{48A87A34-81AB-432B-8DAE-1953F412C126}" type="datetimeFigureOut">
               <a:rPr lang="en-US" dirty="0"/>
               <a:pPr/>
-              <a:t>1/27/2022</a:t>
+              <a:t>2/1/2022</a:t>
             </a:fld>
             <a:endParaRPr lang="en-US" dirty="0"/>
           </a:p>
@@ -2090,7 +2095,7 @@
           <a:p>
             <a:fld id="{48A87A34-81AB-432B-8DAE-1953F412C126}" type="datetimeFigureOut">
               <a:rPr lang="en-US" dirty="0"/>
-              <a:t>1/27/2022</a:t>
+              <a:t>2/1/2022</a:t>
             </a:fld>
             <a:endParaRPr lang="en-US" dirty="0"/>
           </a:p>
@@ -2859,7 +2864,7 @@
           <a:p>
             <a:fld id="{48A87A34-81AB-432B-8DAE-1953F412C126}" type="datetimeFigureOut">
               <a:rPr lang="en-US" dirty="0"/>
-              <a:t>1/27/2022</a:t>
+              <a:t>2/1/2022</a:t>
             </a:fld>
             <a:endParaRPr lang="en-US" dirty="0"/>
           </a:p>
@@ -3029,7 +3034,7 @@
           <a:p>
             <a:fld id="{48A87A34-81AB-432B-8DAE-1953F412C126}" type="datetimeFigureOut">
               <a:rPr lang="en-US" dirty="0"/>
-              <a:t>1/27/2022</a:t>
+              <a:t>2/1/2022</a:t>
             </a:fld>
             <a:endParaRPr lang="en-US" dirty="0"/>
           </a:p>
@@ -3248,7 +3253,7 @@
             <a:fld id="{48A87A34-81AB-432B-8DAE-1953F412C126}" type="datetimeFigureOut">
               <a:rPr lang="en-US" dirty="0"/>
               <a:pPr/>
-              <a:t>1/27/2022</a:t>
+              <a:t>2/1/2022</a:t>
             </a:fld>
             <a:endParaRPr lang="en-US" dirty="0"/>
           </a:p>
@@ -3423,7 +3428,7 @@
           <a:p>
             <a:fld id="{48A87A34-81AB-432B-8DAE-1953F412C126}" type="datetimeFigureOut">
               <a:rPr lang="en-US" dirty="0"/>
-              <a:t>1/27/2022</a:t>
+              <a:t>2/1/2022</a:t>
             </a:fld>
             <a:endParaRPr lang="en-US" dirty="0"/>
           </a:p>
@@ -3708,7 +3713,7 @@
             <a:fld id="{48A87A34-81AB-432B-8DAE-1953F412C126}" type="datetimeFigureOut">
               <a:rPr lang="en-US" dirty="0"/>
               <a:pPr/>
-              <a:t>1/27/2022</a:t>
+              <a:t>2/1/2022</a:t>
             </a:fld>
             <a:endParaRPr lang="en-US" dirty="0"/>
           </a:p>
@@ -3945,7 +3950,7 @@
           <a:p>
             <a:fld id="{48A87A34-81AB-432B-8DAE-1953F412C126}" type="datetimeFigureOut">
               <a:rPr lang="en-US" dirty="0"/>
-              <a:t>1/27/2022</a:t>
+              <a:t>2/1/2022</a:t>
             </a:fld>
             <a:endParaRPr lang="en-US" dirty="0"/>
           </a:p>
@@ -4319,7 +4324,7 @@
           <a:p>
             <a:fld id="{48A87A34-81AB-432B-8DAE-1953F412C126}" type="datetimeFigureOut">
               <a:rPr lang="en-US" dirty="0"/>
-              <a:t>1/27/2022</a:t>
+              <a:t>2/1/2022</a:t>
             </a:fld>
             <a:endParaRPr lang="en-US" dirty="0"/>
           </a:p>
@@ -4432,7 +4437,7 @@
           <a:p>
             <a:fld id="{48A87A34-81AB-432B-8DAE-1953F412C126}" type="datetimeFigureOut">
               <a:rPr lang="en-US" dirty="0"/>
-              <a:t>1/27/2022</a:t>
+              <a:t>2/1/2022</a:t>
             </a:fld>
             <a:endParaRPr lang="en-US" dirty="0"/>
           </a:p>
@@ -4522,7 +4527,7 @@
           <a:p>
             <a:fld id="{48A87A34-81AB-432B-8DAE-1953F412C126}" type="datetimeFigureOut">
               <a:rPr lang="en-US" dirty="0"/>
-              <a:t>1/27/2022</a:t>
+              <a:t>2/1/2022</a:t>
             </a:fld>
             <a:endParaRPr lang="en-US" dirty="0"/>
           </a:p>
@@ -4766,7 +4771,7 @@
           <a:p>
             <a:fld id="{48A87A34-81AB-432B-8DAE-1953F412C126}" type="datetimeFigureOut">
               <a:rPr lang="en-US" dirty="0"/>
-              <a:t>1/27/2022</a:t>
+              <a:t>2/1/2022</a:t>
             </a:fld>
             <a:endParaRPr lang="en-US" dirty="0"/>
           </a:p>
@@ -5018,7 +5023,7 @@
           <a:p>
             <a:fld id="{48A87A34-81AB-432B-8DAE-1953F412C126}" type="datetimeFigureOut">
               <a:rPr lang="en-US" dirty="0"/>
-              <a:t>1/27/2022</a:t>
+              <a:t>2/1/2022</a:t>
             </a:fld>
             <a:endParaRPr lang="en-US" dirty="0"/>
           </a:p>
@@ -5257,7 +5262,7 @@
             <a:fld id="{48A87A34-81AB-432B-8DAE-1953F412C126}" type="datetimeFigureOut">
               <a:rPr lang="en-US" dirty="0"/>
               <a:pPr/>
-              <a:t>1/27/2022</a:t>
+              <a:t>2/1/2022</a:t>
             </a:fld>
             <a:endParaRPr lang="en-US" dirty="0"/>
           </a:p>
@@ -5911,13 +5916,8 @@
           <a:p>
             <a:r>
               <a:rPr lang="ru-RU" dirty="0"/>
-              <a:t>Решение </a:t>
-            </a:r>
-            <a:r>
-              <a:rPr lang="ru-RU" dirty="0" err="1"/>
-              <a:t>проблмы</a:t>
-            </a:r>
-            <a:endParaRPr lang="ru-RU" dirty="0"/>
+              <a:t>Решение проблемы</a:t>
+            </a:r>
           </a:p>
         </p:txBody>
       </p:sp>
@@ -6122,31 +6122,36 @@
           <a:p>
             <a:r>
               <a:rPr lang="ru-RU" sz="2800" dirty="0"/>
-              <a:t>Разработку игры можно разделить на 4 этапа.</a:t>
-            </a:r>
+              <a:t>Разработку игры можно разделить на </a:t>
+            </a:r>
+            <a:r>
+              <a:rPr lang="ru-RU" sz="2800"/>
+              <a:t>несколько этапов.</a:t>
+            </a:r>
+            <a:endParaRPr lang="ru-RU" sz="2800" dirty="0"/>
           </a:p>
           <a:p>
             <a:r>
               <a:rPr lang="ru-RU" sz="2800" dirty="0"/>
-              <a:t>1) Создание главного экрана игры.</a:t>
+              <a:t> Создание главного экрана игры.</a:t>
             </a:r>
           </a:p>
           <a:p>
             <a:r>
               <a:rPr lang="ru-RU" sz="2800" dirty="0"/>
-              <a:t>2) Создание главного цикла игры.</a:t>
+              <a:t> Создание главного цикла игры.</a:t>
             </a:r>
           </a:p>
           <a:p>
             <a:r>
               <a:rPr lang="ru-RU" sz="2800" dirty="0"/>
-              <a:t>3) Создание экрана завершения игры.</a:t>
+              <a:t> Создание экрана завершения игры.</a:t>
             </a:r>
           </a:p>
           <a:p>
             <a:r>
               <a:rPr lang="ru-RU" sz="2800" dirty="0"/>
-              <a:t>4) Внедрение базы данных с топом лучших игроков.</a:t>
+              <a:t> Внедрение базы данных с топом лучших игроков.</a:t>
             </a:r>
           </a:p>
         </p:txBody>
